--- a/ORIE_5160_Final_Project_Presentation_11.20.24.pptx
+++ b/ORIE_5160_Final_Project_Presentation_11.20.24.pptx
@@ -4830,6 +4830,18 @@
               <a:t>SI in the past 4 months might happen anywhere in the past 4 months</a:t>
             </a:r>
           </a:p>
+          <a:p>
+            <a:r>
+              <a:rPr lang="en-US" dirty="0"/>
+              <a:t>Highly imbalance data: we are training the model using one-quarter of sensor, mood rating (+baseline data as co-variates???), to predict suicide ideation </a:t>
+            </a:r>
+          </a:p>
+          <a:p>
+            <a:r>
+              <a:rPr lang="en-US" dirty="0"/>
+              <a:t>We include people with &gt;1 SI within the study period a</a:t>
+            </a:r>
+          </a:p>
         </p:txBody>
       </p:sp>
     </p:spTree>
@@ -5317,14 +5329,14 @@
             <p:ph idx="1"/>
             <p:extLst>
               <p:ext uri="{D42A27DB-BD31-4B8C-83A1-F6EECF244321}">
-                <p14:modId xmlns:p14="http://schemas.microsoft.com/office/powerpoint/2010/main" val="4147954153"/>
+                <p14:modId xmlns:p14="http://schemas.microsoft.com/office/powerpoint/2010/main" val="1744034613"/>
               </p:ext>
             </p:extLst>
           </p:nvPr>
         </p:nvGraphicFramePr>
         <p:xfrm>
           <a:off x="838200" y="1825625"/>
-          <a:ext cx="10515600" cy="1112520"/>
+          <a:ext cx="10515600" cy="3937000"/>
         </p:xfrm>
         <a:graphic>
           <a:graphicData uri="http://schemas.openxmlformats.org/drawingml/2006/table">
@@ -5333,28 +5345,35 @@
                 <a:tableStyleId>{5C22544A-7EE6-4342-B048-85BDC9FD1C3A}</a:tableStyleId>
               </a:tblPr>
               <a:tblGrid>
-                <a:gridCol w="2628900">
+                <a:gridCol w="2103120">
                   <a:extLst>
                     <a:ext uri="{9D8B030D-6E8A-4147-A177-3AD203B41FA5}">
                       <a16:colId xmlns:a16="http://schemas.microsoft.com/office/drawing/2014/main" val="1064049070"/>
                     </a:ext>
                   </a:extLst>
                 </a:gridCol>
-                <a:gridCol w="2628900">
+                <a:gridCol w="2103120">
+                  <a:extLst>
+                    <a:ext uri="{9D8B030D-6E8A-4147-A177-3AD203B41FA5}">
+                      <a16:colId xmlns:a16="http://schemas.microsoft.com/office/drawing/2014/main" val="3201629667"/>
+                    </a:ext>
+                  </a:extLst>
+                </a:gridCol>
+                <a:gridCol w="2103120">
                   <a:extLst>
                     <a:ext uri="{9D8B030D-6E8A-4147-A177-3AD203B41FA5}">
                       <a16:colId xmlns:a16="http://schemas.microsoft.com/office/drawing/2014/main" val="1928299939"/>
                     </a:ext>
                   </a:extLst>
                 </a:gridCol>
-                <a:gridCol w="2628900">
+                <a:gridCol w="2103120">
                   <a:extLst>
                     <a:ext uri="{9D8B030D-6E8A-4147-A177-3AD203B41FA5}">
                       <a16:colId xmlns:a16="http://schemas.microsoft.com/office/drawing/2014/main" val="942851837"/>
                     </a:ext>
                   </a:extLst>
                 </a:gridCol>
-                <a:gridCol w="2628900">
+                <a:gridCol w="2103120">
                   <a:extLst>
                     <a:ext uri="{9D8B030D-6E8A-4147-A177-3AD203B41FA5}">
                       <a16:colId xmlns:a16="http://schemas.microsoft.com/office/drawing/2014/main" val="925065409"/>
@@ -5369,6 +5388,19 @@
                     <a:lstStyle/>
                     <a:p>
                       <a:endParaRPr lang="en-US" dirty="0"/>
+                    </a:p>
+                  </a:txBody>
+                  <a:tcPr/>
+                </a:tc>
+                <a:tc>
+                  <a:txBody>
+                    <a:bodyPr/>
+                    <a:lstStyle/>
+                    <a:p>
+                      <a:r>
+                        <a:rPr lang="en-US" dirty="0"/>
+                        <a:t>Outcome variable </a:t>
+                      </a:r>
                     </a:p>
                   </a:txBody>
                   <a:tcPr/>
@@ -5426,7 +5458,14 @@
                     <a:p>
                       <a:r>
                         <a:rPr lang="en-US" dirty="0"/>
-                        <a:t>Suicide Ideation</a:t>
+                        <a:t>Suicide Ideation </a:t>
+                      </a:r>
+                      <a:br>
+                        <a:rPr lang="en-US" dirty="0"/>
+                      </a:br>
+                      <a:r>
+                        <a:rPr lang="en-US" i="1" dirty="0"/>
+                        <a:t>(at any quarter)</a:t>
                       </a:r>
                     </a:p>
                   </a:txBody>
@@ -5437,7 +5476,88 @@
                     <a:bodyPr/>
                     <a:lstStyle/>
                     <a:p>
-                      <a:endParaRPr lang="en-US"/>
+                      <a:pPr marL="0" marR="0" lvl="0" indent="0" algn="l" defTabSz="914400" rtl="0" eaLnBrk="1" fontAlgn="auto" latinLnBrk="0" hangingPunct="1">
+                        <a:lnSpc>
+                          <a:spcPct val="100000"/>
+                        </a:lnSpc>
+                        <a:spcBef>
+                          <a:spcPts val="0"/>
+                        </a:spcBef>
+                        <a:spcAft>
+                          <a:spcPts val="0"/>
+                        </a:spcAft>
+                        <a:buClrTx/>
+                        <a:buSzTx/>
+                        <a:buFontTx/>
+                        <a:buNone/>
+                        <a:tabLst/>
+                        <a:defRPr/>
+                      </a:pPr>
+                      <a:r>
+                        <a:rPr lang="en-US" sz="1800" b="1" i="0" kern="1200" dirty="0">
+                          <a:solidFill>
+                            <a:schemeClr val="dk1"/>
+                          </a:solidFill>
+                          <a:effectLst/>
+                          <a:latin typeface="+mn-lt"/>
+                          <a:ea typeface="+mn-ea"/>
+                          <a:cs typeface="+mn-cs"/>
+                        </a:rPr>
+                        <a:t>Q1. </a:t>
+                      </a:r>
+                      <a:r>
+                        <a:rPr lang="en-US" sz="1800" b="0" i="1" kern="1200" dirty="0">
+                          <a:solidFill>
+                            <a:schemeClr val="dk1"/>
+                          </a:solidFill>
+                          <a:effectLst/>
+                          <a:latin typeface="+mn-lt"/>
+                          <a:ea typeface="+mn-ea"/>
+                          <a:cs typeface="+mn-cs"/>
+                        </a:rPr>
+                        <a:t>"Have you wished you were dead or wished you could go to sleep and not wake up?”</a:t>
+                      </a:r>
+                    </a:p>
+                    <a:p>
+                      <a:pPr marL="0" marR="0" lvl="0" indent="0" algn="l" defTabSz="914400" rtl="0" eaLnBrk="1" fontAlgn="auto" latinLnBrk="0" hangingPunct="1">
+                        <a:lnSpc>
+                          <a:spcPct val="100000"/>
+                        </a:lnSpc>
+                        <a:spcBef>
+                          <a:spcPts val="0"/>
+                        </a:spcBef>
+                        <a:spcAft>
+                          <a:spcPts val="0"/>
+                        </a:spcAft>
+                        <a:buClrTx/>
+                        <a:buSzTx/>
+                        <a:buFontTx/>
+                        <a:buNone/>
+                        <a:tabLst/>
+                        <a:defRPr/>
+                      </a:pPr>
+                      <a:endParaRPr lang="en-US" sz="1800" b="0" i="1" kern="1200" dirty="0">
+                        <a:solidFill>
+                          <a:schemeClr val="dk1"/>
+                        </a:solidFill>
+                        <a:effectLst/>
+                        <a:latin typeface="+mn-lt"/>
+                        <a:ea typeface="+mn-ea"/>
+                        <a:cs typeface="+mn-cs"/>
+                      </a:endParaRPr>
+                    </a:p>
+                  </a:txBody>
+                  <a:tcPr/>
+                </a:tc>
+                <a:tc>
+                  <a:txBody>
+                    <a:bodyPr/>
+                    <a:lstStyle/>
+                    <a:p>
+                      <a:r>
+                        <a:rPr lang="en-US" dirty="0"/>
+                        <a:t>N = 90</a:t>
+                      </a:r>
                     </a:p>
                   </a:txBody>
                   <a:tcPr/>
@@ -5474,6 +5594,103 @@
                     <a:bodyPr/>
                     <a:lstStyle/>
                     <a:p>
+                      <a:endParaRPr lang="en-US" dirty="0"/>
+                    </a:p>
+                  </a:txBody>
+                  <a:tcPr/>
+                </a:tc>
+                <a:tc>
+                  <a:txBody>
+                    <a:bodyPr/>
+                    <a:lstStyle/>
+                    <a:p>
+                      <a:pPr marL="0" marR="0" lvl="0" indent="0" algn="l" defTabSz="914400" rtl="0" eaLnBrk="1" fontAlgn="auto" latinLnBrk="0" hangingPunct="1">
+                        <a:lnSpc>
+                          <a:spcPct val="100000"/>
+                        </a:lnSpc>
+                        <a:spcBef>
+                          <a:spcPts val="0"/>
+                        </a:spcBef>
+                        <a:spcAft>
+                          <a:spcPts val="0"/>
+                        </a:spcAft>
+                        <a:buClrTx/>
+                        <a:buSzTx/>
+                        <a:buFontTx/>
+                        <a:buNone/>
+                        <a:tabLst/>
+                        <a:defRPr/>
+                      </a:pPr>
+                      <a:r>
+                        <a:rPr lang="en-US" sz="1800" b="1" kern="1200" dirty="0">
+                          <a:solidFill>
+                            <a:schemeClr val="dk1"/>
+                          </a:solidFill>
+                          <a:effectLst/>
+                          <a:latin typeface="+mn-lt"/>
+                          <a:ea typeface="+mn-ea"/>
+                          <a:cs typeface="+mn-cs"/>
+                        </a:rPr>
+                        <a:t>Q2 .</a:t>
+                      </a:r>
+                      <a:r>
+                        <a:rPr lang="en-US" sz="1800" b="0" i="1" kern="1200" dirty="0">
+                          <a:solidFill>
+                            <a:schemeClr val="dk1"/>
+                          </a:solidFill>
+                          <a:effectLst/>
+                          <a:latin typeface="+mn-lt"/>
+                          <a:ea typeface="+mn-ea"/>
+                          <a:cs typeface="+mn-cs"/>
+                        </a:rPr>
+                        <a:t>"Have you actually had any thoughts about killing yourself?"</a:t>
+                      </a:r>
+                    </a:p>
+                  </a:txBody>
+                  <a:tcPr/>
+                </a:tc>
+                <a:tc>
+                  <a:txBody>
+                    <a:bodyPr/>
+                    <a:lstStyle/>
+                    <a:p>
+                      <a:endParaRPr lang="en-US" dirty="0"/>
+                    </a:p>
+                  </a:txBody>
+                  <a:tcPr/>
+                </a:tc>
+                <a:tc>
+                  <a:txBody>
+                    <a:bodyPr/>
+                    <a:lstStyle/>
+                    <a:p>
+                      <a:endParaRPr lang="en-US" dirty="0"/>
+                    </a:p>
+                  </a:txBody>
+                  <a:tcPr/>
+                </a:tc>
+                <a:tc>
+                  <a:txBody>
+                    <a:bodyPr/>
+                    <a:lstStyle/>
+                    <a:p>
+                      <a:endParaRPr lang="en-US" dirty="0"/>
+                    </a:p>
+                  </a:txBody>
+                  <a:tcPr/>
+                </a:tc>
+                <a:extLst>
+                  <a:ext uri="{0D108BD9-81ED-4DB2-BD59-A6C34878D82A}">
+                    <a16:rowId xmlns:a16="http://schemas.microsoft.com/office/drawing/2014/main" val="90035375"/>
+                  </a:ext>
+                </a:extLst>
+              </a:tr>
+              <a:tr h="370840">
+                <a:tc>
+                  <a:txBody>
+                    <a:bodyPr/>
+                    <a:lstStyle/>
+                    <a:p>
                       <a:r>
                         <a:rPr lang="en-US" dirty="0"/>
                         <a:t>No Suicide Ideation</a:t>
@@ -5487,7 +5704,7 @@
                     <a:bodyPr/>
                     <a:lstStyle/>
                     <a:p>
-                      <a:endParaRPr lang="en-US"/>
+                      <a:endParaRPr lang="en-US" dirty="0"/>
                     </a:p>
                   </a:txBody>
                   <a:tcPr/>
@@ -5497,7 +5714,17 @@
                     <a:bodyPr/>
                     <a:lstStyle/>
                     <a:p>
-                      <a:endParaRPr lang="en-US"/>
+                      <a:endParaRPr lang="en-US" dirty="0"/>
+                    </a:p>
+                  </a:txBody>
+                  <a:tcPr/>
+                </a:tc>
+                <a:tc>
+                  <a:txBody>
+                    <a:bodyPr/>
+                    <a:lstStyle/>
+                    <a:p>
+                      <a:endParaRPr lang="en-US" dirty="0"/>
                     </a:p>
                   </a:txBody>
                   <a:tcPr/>
@@ -5538,8 +5765,8 @@
         </p:nvSpPr>
         <p:spPr>
           <a:xfrm>
-            <a:off x="838200" y="3768811"/>
-            <a:ext cx="10515600" cy="2408152"/>
+            <a:off x="838200" y="6054811"/>
+            <a:ext cx="10515600" cy="122152"/>
           </a:xfrm>
           <a:prstGeom prst="rect">
             <a:avLst/>
@@ -5547,7 +5774,7 @@
         </p:spPr>
         <p:txBody>
           <a:bodyPr vert="horz" lIns="91440" tIns="45720" rIns="91440" bIns="45720" rtlCol="0">
-            <a:normAutofit/>
+            <a:noAutofit/>
           </a:bodyPr>
           <a:lstStyle>
             <a:lvl1pPr marL="228600" indent="-228600" algn="l" defTabSz="914400" rtl="0" eaLnBrk="1" latinLnBrk="0" hangingPunct="1">
@@ -5714,8 +5941,11 @@
             </a:lvl9pPr>
           </a:lstStyle>
           <a:p>
-            <a:r>
-              <a:rPr lang="en-US" dirty="0"/>
+            <a:pPr marL="0" indent="0">
+              <a:buNone/>
+            </a:pPr>
+            <a:r>
+              <a:rPr lang="en-US" sz="1400" b="1" i="1" dirty="0"/>
               <a:t>1 individual can have multiple SI during the duration of the study. </a:t>
             </a:r>
           </a:p>

--- a/ORIE_5160_Final_Project_Presentation_11.20.24.pptx
+++ b/ORIE_5160_Final_Project_Presentation_11.20.24.pptx
@@ -787,6 +787,90 @@
 </file>
 
 <file path=ppt/notesSlides/notesSlide4.xml><?xml version="1.0" encoding="utf-8"?>
+<p:notes xmlns:a="http://schemas.openxmlformats.org/drawingml/2006/main" xmlns:r="http://schemas.openxmlformats.org/officeDocument/2006/relationships" xmlns:p="http://schemas.openxmlformats.org/presentationml/2006/main">
+  <p:cSld>
+    <p:spTree>
+      <p:nvGrpSpPr>
+        <p:cNvPr id="1" name=""/>
+        <p:cNvGrpSpPr/>
+        <p:nvPr/>
+      </p:nvGrpSpPr>
+      <p:grpSpPr>
+        <a:xfrm>
+          <a:off x="0" y="0"/>
+          <a:ext cx="0" cy="0"/>
+          <a:chOff x="0" y="0"/>
+          <a:chExt cx="0" cy="0"/>
+        </a:xfrm>
+      </p:grpSpPr>
+      <p:sp>
+        <p:nvSpPr>
+          <p:cNvPr id="2" name="Slide Image Placeholder 1"/>
+          <p:cNvSpPr>
+            <a:spLocks noGrp="1" noRot="1" noChangeAspect="1"/>
+          </p:cNvSpPr>
+          <p:nvPr>
+            <p:ph type="sldImg"/>
+          </p:nvPr>
+        </p:nvSpPr>
+        <p:spPr/>
+      </p:sp>
+      <p:sp>
+        <p:nvSpPr>
+          <p:cNvPr id="3" name="Notes Placeholder 2"/>
+          <p:cNvSpPr>
+            <a:spLocks noGrp="1"/>
+          </p:cNvSpPr>
+          <p:nvPr>
+            <p:ph type="body" idx="1"/>
+          </p:nvPr>
+        </p:nvSpPr>
+        <p:spPr/>
+        <p:txBody>
+          <a:bodyPr/>
+          <a:lstStyle/>
+          <a:p>
+            <a:endParaRPr lang="en-US" dirty="0"/>
+          </a:p>
+        </p:txBody>
+      </p:sp>
+      <p:sp>
+        <p:nvSpPr>
+          <p:cNvPr id="4" name="Slide Number Placeholder 3"/>
+          <p:cNvSpPr>
+            <a:spLocks noGrp="1"/>
+          </p:cNvSpPr>
+          <p:nvPr>
+            <p:ph type="sldNum" sz="quarter" idx="5"/>
+          </p:nvPr>
+        </p:nvSpPr>
+        <p:spPr/>
+        <p:txBody>
+          <a:bodyPr/>
+          <a:lstStyle/>
+          <a:p>
+            <a:fld id="{9538657C-D903-144D-BCD0-0BFD4B7ADE99}" type="slidenum">
+              <a:rPr lang="en-US" smtClean="0"/>
+              <a:t>7</a:t>
+            </a:fld>
+            <a:endParaRPr lang="en-US"/>
+          </a:p>
+        </p:txBody>
+      </p:sp>
+    </p:spTree>
+    <p:extLst>
+      <p:ext uri="{BB962C8B-B14F-4D97-AF65-F5344CB8AC3E}">
+        <p14:creationId xmlns:p14="http://schemas.microsoft.com/office/powerpoint/2010/main" val="1306949831"/>
+      </p:ext>
+    </p:extLst>
+  </p:cSld>
+  <p:clrMapOvr>
+    <a:masterClrMapping/>
+  </p:clrMapOvr>
+</p:notes>
+</file>
+
+<file path=ppt/notesSlides/notesSlide5.xml><?xml version="1.0" encoding="utf-8"?>
 <p:notes xmlns:a="http://schemas.openxmlformats.org/drawingml/2006/main" xmlns:r="http://schemas.openxmlformats.org/officeDocument/2006/relationships" xmlns:p="http://schemas.openxmlformats.org/presentationml/2006/main">
   <p:cSld>
     <p:spTree>
@@ -5329,14 +5413,14 @@
             <p:ph idx="1"/>
             <p:extLst>
               <p:ext uri="{D42A27DB-BD31-4B8C-83A1-F6EECF244321}">
-                <p14:modId xmlns:p14="http://schemas.microsoft.com/office/powerpoint/2010/main" val="1744034613"/>
+                <p14:modId xmlns:p14="http://schemas.microsoft.com/office/powerpoint/2010/main" val="847263318"/>
               </p:ext>
             </p:extLst>
           </p:nvPr>
         </p:nvGraphicFramePr>
         <p:xfrm>
-          <a:off x="838200" y="1825625"/>
-          <a:ext cx="10515600" cy="3937000"/>
+          <a:off x="838199" y="2035690"/>
+          <a:ext cx="10515600" cy="3606800"/>
         </p:xfrm>
         <a:graphic>
           <a:graphicData uri="http://schemas.openxmlformats.org/drawingml/2006/table">
@@ -5345,38 +5429,31 @@
                 <a:tableStyleId>{5C22544A-7EE6-4342-B048-85BDC9FD1C3A}</a:tableStyleId>
               </a:tblPr>
               <a:tblGrid>
-                <a:gridCol w="2103120">
+                <a:gridCol w="2628900">
                   <a:extLst>
                     <a:ext uri="{9D8B030D-6E8A-4147-A177-3AD203B41FA5}">
                       <a16:colId xmlns:a16="http://schemas.microsoft.com/office/drawing/2014/main" val="1064049070"/>
                     </a:ext>
                   </a:extLst>
                 </a:gridCol>
-                <a:gridCol w="2103120">
+                <a:gridCol w="2628900">
                   <a:extLst>
                     <a:ext uri="{9D8B030D-6E8A-4147-A177-3AD203B41FA5}">
                       <a16:colId xmlns:a16="http://schemas.microsoft.com/office/drawing/2014/main" val="3201629667"/>
                     </a:ext>
                   </a:extLst>
                 </a:gridCol>
-                <a:gridCol w="2103120">
+                <a:gridCol w="2628900">
                   <a:extLst>
                     <a:ext uri="{9D8B030D-6E8A-4147-A177-3AD203B41FA5}">
                       <a16:colId xmlns:a16="http://schemas.microsoft.com/office/drawing/2014/main" val="1928299939"/>
                     </a:ext>
                   </a:extLst>
                 </a:gridCol>
-                <a:gridCol w="2103120">
+                <a:gridCol w="2628900">
                   <a:extLst>
                     <a:ext uri="{9D8B030D-6E8A-4147-A177-3AD203B41FA5}">
                       <a16:colId xmlns:a16="http://schemas.microsoft.com/office/drawing/2014/main" val="942851837"/>
-                    </a:ext>
-                  </a:extLst>
-                </a:gridCol>
-                <a:gridCol w="2103120">
-                  <a:extLst>
-                    <a:ext uri="{9D8B030D-6E8A-4147-A177-3AD203B41FA5}">
-                      <a16:colId xmlns:a16="http://schemas.microsoft.com/office/drawing/2014/main" val="925065409"/>
                     </a:ext>
                   </a:extLst>
                 </a:gridCol>
@@ -5387,7 +5464,7 @@
                     <a:bodyPr/>
                     <a:lstStyle/>
                     <a:p>
-                      <a:endParaRPr lang="en-US" dirty="0"/>
+                      <a:endParaRPr lang="en-US" sz="1600" dirty="0"/>
                     </a:p>
                   </a:txBody>
                   <a:tcPr/>
@@ -5398,7 +5475,7 @@
                     <a:lstStyle/>
                     <a:p>
                       <a:r>
-                        <a:rPr lang="en-US" dirty="0"/>
+                        <a:rPr lang="en-US" sz="1600" dirty="0"/>
                         <a:t>Outcome variable </a:t>
                       </a:r>
                     </a:p>
@@ -5411,7 +5488,7 @@
                     <a:lstStyle/>
                     <a:p>
                       <a:r>
-                        <a:rPr lang="en-US" dirty="0"/>
+                        <a:rPr lang="en-US" sz="1600" dirty="0"/>
                         <a:t>2018 Cohort</a:t>
                       </a:r>
                     </a:p>
@@ -5424,21 +5501,8 @@
                     <a:lstStyle/>
                     <a:p>
                       <a:r>
-                        <a:rPr lang="en-US" dirty="0"/>
+                        <a:rPr lang="en-US" sz="1600" dirty="0"/>
                         <a:t>2019 Cohort</a:t>
-                      </a:r>
-                    </a:p>
-                  </a:txBody>
-                  <a:tcPr/>
-                </a:tc>
-                <a:tc>
-                  <a:txBody>
-                    <a:bodyPr/>
-                    <a:lstStyle/>
-                    <a:p>
-                      <a:r>
-                        <a:rPr lang="en-US" dirty="0"/>
-                        <a:t>Overall</a:t>
                       </a:r>
                     </a:p>
                   </a:txBody>
@@ -5451,20 +5515,20 @@
                 </a:extLst>
               </a:tr>
               <a:tr h="370840">
-                <a:tc>
+                <a:tc rowSpan="2">
                   <a:txBody>
                     <a:bodyPr/>
                     <a:lstStyle/>
                     <a:p>
                       <a:r>
-                        <a:rPr lang="en-US" dirty="0"/>
+                        <a:rPr lang="en-US" sz="1600" b="1" dirty="0"/>
                         <a:t>Suicide Ideation </a:t>
                       </a:r>
                       <a:br>
-                        <a:rPr lang="en-US" dirty="0"/>
+                        <a:rPr lang="en-US" sz="1600" b="1" dirty="0"/>
                       </a:br>
                       <a:r>
-                        <a:rPr lang="en-US" i="1" dirty="0"/>
+                        <a:rPr lang="en-US" sz="1600" b="1" i="1" dirty="0"/>
                         <a:t>(at any quarter)</a:t>
                       </a:r>
                     </a:p>
@@ -5494,7 +5558,7 @@
                         <a:defRPr/>
                       </a:pPr>
                       <a:r>
-                        <a:rPr lang="en-US" sz="1800" b="1" i="0" kern="1200" dirty="0">
+                        <a:rPr lang="en-US" sz="1600" b="1" i="0" kern="1200" dirty="0">
                           <a:solidFill>
                             <a:schemeClr val="dk1"/>
                           </a:solidFill>
@@ -5506,7 +5570,7 @@
                         <a:t>Q1. </a:t>
                       </a:r>
                       <a:r>
-                        <a:rPr lang="en-US" sz="1800" b="0" i="1" kern="1200" dirty="0">
+                        <a:rPr lang="en-US" sz="1600" b="0" i="1" kern="1200" dirty="0">
                           <a:solidFill>
                             <a:schemeClr val="dk1"/>
                           </a:solidFill>
@@ -5515,7 +5579,34 @@
                           <a:ea typeface="+mn-ea"/>
                           <a:cs typeface="+mn-cs"/>
                         </a:rPr>
-                        <a:t>"Have you wished you were dead or wished you could go to sleep and not wake up?”</a:t>
+                        <a:t>"Have you </a:t>
+                      </a:r>
+                      <a:r>
+                        <a:rPr lang="en-US" sz="1600" b="1" i="1" kern="1200" dirty="0">
+                          <a:solidFill>
+                            <a:schemeClr val="dk1"/>
+                          </a:solidFill>
+                          <a:effectLst/>
+                          <a:highlight>
+                            <a:srgbClr val="FFFF00"/>
+                          </a:highlight>
+                          <a:latin typeface="+mn-lt"/>
+                          <a:ea typeface="+mn-ea"/>
+                          <a:cs typeface="+mn-cs"/>
+                        </a:rPr>
+                        <a:t>wished</a:t>
+                      </a:r>
+                      <a:r>
+                        <a:rPr lang="en-US" sz="1600" b="0" i="1" kern="1200" dirty="0">
+                          <a:solidFill>
+                            <a:schemeClr val="dk1"/>
+                          </a:solidFill>
+                          <a:effectLst/>
+                          <a:latin typeface="+mn-lt"/>
+                          <a:ea typeface="+mn-ea"/>
+                          <a:cs typeface="+mn-cs"/>
+                        </a:rPr>
+                        <a:t> you were dead or wished you could go to sleep and not wake up?”</a:t>
                       </a:r>
                     </a:p>
                     <a:p>
@@ -5536,7 +5627,7 @@
                         <a:tabLst/>
                         <a:defRPr/>
                       </a:pPr>
-                      <a:endParaRPr lang="en-US" sz="1800" b="0" i="1" kern="1200" dirty="0">
+                      <a:endParaRPr lang="en-US" sz="1600" b="0" i="1" kern="1200" dirty="0">
                         <a:solidFill>
                           <a:schemeClr val="dk1"/>
                         </a:solidFill>
@@ -5555,46 +5646,60 @@
                     <a:lstStyle/>
                     <a:p>
                       <a:r>
-                        <a:rPr lang="en-US" dirty="0"/>
-                        <a:t>N = 90</a:t>
+                        <a:rPr lang="en-US" sz="1600" b="1" dirty="0"/>
+                        <a:t>N = 231 </a:t>
+                      </a:r>
+                      <a:r>
+                        <a:rPr lang="en-US" sz="1600" b="0" dirty="0"/>
+                        <a:t>(out of 2,127)</a:t>
                       </a:r>
                     </a:p>
-                  </a:txBody>
-                  <a:tcPr/>
-                </a:tc>
-                <a:tc>
-                  <a:txBody>
-                    <a:bodyPr/>
-                    <a:lstStyle/>
                     <a:p>
-                      <a:endParaRPr lang="en-US" dirty="0"/>
+                      <a:pPr marL="285750" indent="-285750">
+                        <a:buFont typeface="Arial" panose="020B0604020202020204" pitchFamily="34" charset="0"/>
+                        <a:buChar char="•"/>
+                      </a:pPr>
+                      <a:r>
+                        <a:rPr lang="en-US" sz="1600" b="1" dirty="0"/>
+                        <a:t>Q1 = 102</a:t>
+                      </a:r>
                     </a:p>
-                  </a:txBody>
-                  <a:tcPr/>
-                </a:tc>
-                <a:tc>
-                  <a:txBody>
-                    <a:bodyPr/>
-                    <a:lstStyle/>
                     <a:p>
-                      <a:endParaRPr lang="en-US" dirty="0"/>
+                      <a:pPr marL="285750" indent="-285750">
+                        <a:buFont typeface="Arial" panose="020B0604020202020204" pitchFamily="34" charset="0"/>
+                        <a:buChar char="•"/>
+                      </a:pPr>
+                      <a:r>
+                        <a:rPr lang="en-US" sz="1600" b="1" dirty="0"/>
+                        <a:t>Q2 = 120</a:t>
+                      </a:r>
                     </a:p>
-                  </a:txBody>
-                  <a:tcPr/>
-                </a:tc>
-                <a:extLst>
-                  <a:ext uri="{0D108BD9-81ED-4DB2-BD59-A6C34878D82A}">
-                    <a16:rowId xmlns:a16="http://schemas.microsoft.com/office/drawing/2014/main" val="135668257"/>
-                  </a:ext>
-                </a:extLst>
-              </a:tr>
-              <a:tr h="370840">
-                <a:tc>
-                  <a:txBody>
-                    <a:bodyPr/>
-                    <a:lstStyle/>
                     <a:p>
-                      <a:endParaRPr lang="en-US" dirty="0"/>
+                      <a:pPr marL="285750" indent="-285750">
+                        <a:buFont typeface="Arial" panose="020B0604020202020204" pitchFamily="34" charset="0"/>
+                        <a:buChar char="•"/>
+                      </a:pPr>
+                      <a:r>
+                        <a:rPr lang="en-US" sz="1600" b="1" dirty="0"/>
+                        <a:t>Q3 =  84</a:t>
+                      </a:r>
+                    </a:p>
+                    <a:p>
+                      <a:pPr marL="285750" indent="-285750">
+                        <a:buFont typeface="Arial" panose="020B0604020202020204" pitchFamily="34" charset="0"/>
+                        <a:buChar char="•"/>
+                      </a:pPr>
+                      <a:r>
+                        <a:rPr lang="en-US" sz="1600" b="1" dirty="0"/>
+                        <a:t>Q4 =  93</a:t>
+                      </a:r>
+                    </a:p>
+                    <a:p>
+                      <a:pPr marL="285750" indent="-285750">
+                        <a:buFont typeface="Arial" panose="020B0604020202020204" pitchFamily="34" charset="0"/>
+                        <a:buChar char="•"/>
+                      </a:pPr>
+                      <a:endParaRPr lang="en-US" sz="1600" b="1" dirty="0"/>
                     </a:p>
                   </a:txBody>
                   <a:tcPr/>
@@ -5622,7 +5727,101 @@
                         <a:defRPr/>
                       </a:pPr>
                       <a:r>
-                        <a:rPr lang="en-US" sz="1800" b="1" kern="1200" dirty="0">
+                        <a:rPr lang="en-US" sz="1600" b="1" dirty="0"/>
+                        <a:t>N = 159  </a:t>
+                      </a:r>
+                      <a:r>
+                        <a:rPr lang="en-US" sz="1600" b="0" dirty="0"/>
+                        <a:t>(out of 1,685)</a:t>
+                      </a:r>
+                    </a:p>
+                    <a:p>
+                      <a:pPr marL="285750" indent="-285750">
+                        <a:buFont typeface="Arial" panose="020B0604020202020204" pitchFamily="34" charset="0"/>
+                        <a:buChar char="•"/>
+                      </a:pPr>
+                      <a:r>
+                        <a:rPr lang="en-US" sz="1600" b="1" dirty="0"/>
+                        <a:t>Q1 = 76</a:t>
+                      </a:r>
+                    </a:p>
+                    <a:p>
+                      <a:pPr marL="285750" indent="-285750">
+                        <a:buFont typeface="Arial" panose="020B0604020202020204" pitchFamily="34" charset="0"/>
+                        <a:buChar char="•"/>
+                      </a:pPr>
+                      <a:r>
+                        <a:rPr lang="en-US" sz="1600" b="1" dirty="0"/>
+                        <a:t>Q2 = 77</a:t>
+                      </a:r>
+                    </a:p>
+                    <a:p>
+                      <a:pPr marL="285750" indent="-285750">
+                        <a:buFont typeface="Arial" panose="020B0604020202020204" pitchFamily="34" charset="0"/>
+                        <a:buChar char="•"/>
+                      </a:pPr>
+                      <a:r>
+                        <a:rPr lang="en-US" sz="1600" b="1" dirty="0"/>
+                        <a:t>Q3 = 75</a:t>
+                      </a:r>
+                    </a:p>
+                    <a:p>
+                      <a:pPr marL="285750" indent="-285750">
+                        <a:buFont typeface="Arial" panose="020B0604020202020204" pitchFamily="34" charset="0"/>
+                        <a:buChar char="•"/>
+                      </a:pPr>
+                      <a:r>
+                        <a:rPr lang="en-US" sz="1600" b="1" dirty="0"/>
+                        <a:t>Q4 = 64</a:t>
+                      </a:r>
+                    </a:p>
+                    <a:p>
+                      <a:endParaRPr lang="en-US" sz="1600" b="1" dirty="0"/>
+                    </a:p>
+                  </a:txBody>
+                  <a:tcPr/>
+                </a:tc>
+                <a:extLst>
+                  <a:ext uri="{0D108BD9-81ED-4DB2-BD59-A6C34878D82A}">
+                    <a16:rowId xmlns:a16="http://schemas.microsoft.com/office/drawing/2014/main" val="135668257"/>
+                  </a:ext>
+                </a:extLst>
+              </a:tr>
+              <a:tr h="370840">
+                <a:tc vMerge="1">
+                  <a:txBody>
+                    <a:bodyPr/>
+                    <a:lstStyle/>
+                    <a:p>
+                      <a:endParaRPr lang="en-US" sz="1600" dirty="0"/>
+                    </a:p>
+                  </a:txBody>
+                  <a:tcPr/>
+                </a:tc>
+                <a:tc>
+                  <a:txBody>
+                    <a:bodyPr/>
+                    <a:lstStyle/>
+                    <a:p>
+                      <a:pPr marL="0" marR="0" lvl="0" indent="0" algn="l" defTabSz="914400" rtl="0" eaLnBrk="1" fontAlgn="auto" latinLnBrk="0" hangingPunct="1">
+                        <a:lnSpc>
+                          <a:spcPct val="100000"/>
+                        </a:lnSpc>
+                        <a:spcBef>
+                          <a:spcPts val="0"/>
+                        </a:spcBef>
+                        <a:spcAft>
+                          <a:spcPts val="0"/>
+                        </a:spcAft>
+                        <a:buClrTx/>
+                        <a:buSzTx/>
+                        <a:buFontTx/>
+                        <a:buNone/>
+                        <a:tabLst/>
+                        <a:defRPr/>
+                      </a:pPr>
+                      <a:r>
+                        <a:rPr lang="en-US" sz="1600" b="1" kern="1200" dirty="0">
                           <a:solidFill>
                             <a:schemeClr val="dk1"/>
                           </a:solidFill>
@@ -5634,7 +5833,7 @@
                         <a:t>Q2 .</a:t>
                       </a:r>
                       <a:r>
-                        <a:rPr lang="en-US" sz="1800" b="0" i="1" kern="1200" dirty="0">
+                        <a:rPr lang="en-US" sz="1600" b="0" i="1" kern="1200" dirty="0">
                           <a:solidFill>
                             <a:schemeClr val="dk1"/>
                           </a:solidFill>
@@ -5643,7 +5842,34 @@
                           <a:ea typeface="+mn-ea"/>
                           <a:cs typeface="+mn-cs"/>
                         </a:rPr>
-                        <a:t>"Have you actually had any thoughts about killing yourself?"</a:t>
+                        <a:t>"Have you actually </a:t>
+                      </a:r>
+                      <a:r>
+                        <a:rPr lang="en-US" sz="1600" b="1" i="1" kern="1200" dirty="0">
+                          <a:solidFill>
+                            <a:schemeClr val="dk1"/>
+                          </a:solidFill>
+                          <a:effectLst/>
+                          <a:highlight>
+                            <a:srgbClr val="FFFF00"/>
+                          </a:highlight>
+                          <a:latin typeface="+mn-lt"/>
+                          <a:ea typeface="+mn-ea"/>
+                          <a:cs typeface="+mn-cs"/>
+                        </a:rPr>
+                        <a:t>had any thoughts </a:t>
+                      </a:r>
+                      <a:r>
+                        <a:rPr lang="en-US" sz="1600" b="0" i="1" kern="1200" dirty="0">
+                          <a:solidFill>
+                            <a:schemeClr val="dk1"/>
+                          </a:solidFill>
+                          <a:effectLst/>
+                          <a:latin typeface="+mn-lt"/>
+                          <a:ea typeface="+mn-ea"/>
+                          <a:cs typeface="+mn-cs"/>
+                        </a:rPr>
+                        <a:t>about killing yourself?"</a:t>
                       </a:r>
                     </a:p>
                   </a:txBody>
@@ -5654,7 +5880,54 @@
                     <a:bodyPr/>
                     <a:lstStyle/>
                     <a:p>
-                      <a:endParaRPr lang="en-US" dirty="0"/>
+                      <a:r>
+                        <a:rPr lang="en-US" sz="1600" b="1" dirty="0"/>
+                        <a:t>N = 74 </a:t>
+                      </a:r>
+                      <a:r>
+                        <a:rPr lang="en-US" sz="1600" b="0" dirty="0"/>
+                        <a:t>(out of 2,127)</a:t>
+                      </a:r>
+                    </a:p>
+                    <a:p>
+                      <a:pPr marL="285750" indent="-285750">
+                        <a:buFont typeface="Arial" panose="020B0604020202020204" pitchFamily="34" charset="0"/>
+                        <a:buChar char="•"/>
+                      </a:pPr>
+                      <a:r>
+                        <a:rPr lang="en-US" sz="1600" b="1" dirty="0"/>
+                        <a:t>Q1 = 24</a:t>
+                      </a:r>
+                    </a:p>
+                    <a:p>
+                      <a:pPr marL="285750" indent="-285750">
+                        <a:buFont typeface="Arial" panose="020B0604020202020204" pitchFamily="34" charset="0"/>
+                        <a:buChar char="•"/>
+                      </a:pPr>
+                      <a:r>
+                        <a:rPr lang="en-US" sz="1600" b="1" dirty="0"/>
+                        <a:t>Q2 = 35</a:t>
+                      </a:r>
+                    </a:p>
+                    <a:p>
+                      <a:pPr marL="285750" indent="-285750">
+                        <a:buFont typeface="Arial" panose="020B0604020202020204" pitchFamily="34" charset="0"/>
+                        <a:buChar char="•"/>
+                      </a:pPr>
+                      <a:r>
+                        <a:rPr lang="en-US" sz="1600" b="1" dirty="0"/>
+                        <a:t>Q3 = 28</a:t>
+                      </a:r>
+                    </a:p>
+                    <a:p>
+                      <a:pPr marL="285750" indent="-285750">
+                        <a:buFont typeface="Arial" panose="020B0604020202020204" pitchFamily="34" charset="0"/>
+                        <a:buChar char="•"/>
+                      </a:pPr>
+                      <a:r>
+                        <a:rPr lang="en-US" sz="1600" b="1" dirty="0"/>
+                        <a:t>Q4 = 26</a:t>
+                      </a:r>
                     </a:p>
                   </a:txBody>
                   <a:tcPr/>
@@ -5664,17 +5937,71 @@
                     <a:bodyPr/>
                     <a:lstStyle/>
                     <a:p>
-                      <a:endParaRPr lang="en-US" dirty="0"/>
+                      <a:pPr marL="0" marR="0" lvl="0" indent="0" algn="l" defTabSz="914400" rtl="0" eaLnBrk="1" fontAlgn="auto" latinLnBrk="0" hangingPunct="1">
+                        <a:lnSpc>
+                          <a:spcPct val="100000"/>
+                        </a:lnSpc>
+                        <a:spcBef>
+                          <a:spcPts val="0"/>
+                        </a:spcBef>
+                        <a:spcAft>
+                          <a:spcPts val="0"/>
+                        </a:spcAft>
+                        <a:buClrTx/>
+                        <a:buSzTx/>
+                        <a:buFontTx/>
+                        <a:buNone/>
+                        <a:tabLst/>
+                        <a:defRPr/>
+                      </a:pPr>
+                      <a:r>
+                        <a:rPr lang="en-US" sz="1600" b="1" dirty="0"/>
+                        <a:t>N = xxx  </a:t>
+                      </a:r>
+                      <a:r>
+                        <a:rPr lang="en-US" sz="1600" b="0" dirty="0"/>
+                        <a:t>(out of 1,685)</a:t>
+                      </a:r>
                     </a:p>
-                  </a:txBody>
-                  <a:tcPr/>
-                </a:tc>
-                <a:tc>
-                  <a:txBody>
-                    <a:bodyPr/>
-                    <a:lstStyle/>
                     <a:p>
-                      <a:endParaRPr lang="en-US" dirty="0"/>
+                      <a:pPr marL="285750" indent="-285750">
+                        <a:buFont typeface="Arial" panose="020B0604020202020204" pitchFamily="34" charset="0"/>
+                        <a:buChar char="•"/>
+                      </a:pPr>
+                      <a:r>
+                        <a:rPr lang="en-US" sz="1600" b="1" dirty="0"/>
+                        <a:t>Q1 = </a:t>
+                      </a:r>
+                    </a:p>
+                    <a:p>
+                      <a:pPr marL="285750" indent="-285750">
+                        <a:buFont typeface="Arial" panose="020B0604020202020204" pitchFamily="34" charset="0"/>
+                        <a:buChar char="•"/>
+                      </a:pPr>
+                      <a:r>
+                        <a:rPr lang="en-US" sz="1600" b="1" dirty="0"/>
+                        <a:t>Q2 = </a:t>
+                      </a:r>
+                    </a:p>
+                    <a:p>
+                      <a:pPr marL="285750" indent="-285750">
+                        <a:buFont typeface="Arial" panose="020B0604020202020204" pitchFamily="34" charset="0"/>
+                        <a:buChar char="•"/>
+                      </a:pPr>
+                      <a:r>
+                        <a:rPr lang="en-US" sz="1600" b="1" dirty="0"/>
+                        <a:t>Q3 = </a:t>
+                      </a:r>
+                    </a:p>
+                    <a:p>
+                      <a:pPr marL="285750" indent="-285750">
+                        <a:buFont typeface="Arial" panose="020B0604020202020204" pitchFamily="34" charset="0"/>
+                        <a:buChar char="•"/>
+                      </a:pPr>
+                      <a:r>
+                        <a:rPr lang="en-US" sz="1600" b="1" dirty="0"/>
+                        <a:t>Q4 = </a:t>
+                      </a:r>
                     </a:p>
                   </a:txBody>
                   <a:tcPr/>
@@ -5692,7 +6019,7 @@
                     <a:lstStyle/>
                     <a:p>
                       <a:r>
-                        <a:rPr lang="en-US" dirty="0"/>
+                        <a:rPr lang="en-US" sz="1600" b="1" dirty="0"/>
                         <a:t>No Suicide Ideation</a:t>
                       </a:r>
                     </a:p>
@@ -5704,7 +6031,7 @@
                     <a:bodyPr/>
                     <a:lstStyle/>
                     <a:p>
-                      <a:endParaRPr lang="en-US" dirty="0"/>
+                      <a:endParaRPr lang="en-US" sz="1600" dirty="0"/>
                     </a:p>
                   </a:txBody>
                   <a:tcPr/>
@@ -5714,7 +6041,7 @@
                     <a:bodyPr/>
                     <a:lstStyle/>
                     <a:p>
-                      <a:endParaRPr lang="en-US" dirty="0"/>
+                      <a:endParaRPr lang="en-US" sz="1600" dirty="0"/>
                     </a:p>
                   </a:txBody>
                   <a:tcPr/>
@@ -5724,17 +6051,7 @@
                     <a:bodyPr/>
                     <a:lstStyle/>
                     <a:p>
-                      <a:endParaRPr lang="en-US" dirty="0"/>
-                    </a:p>
-                  </a:txBody>
-                  <a:tcPr/>
-                </a:tc>
-                <a:tc>
-                  <a:txBody>
-                    <a:bodyPr/>
-                    <a:lstStyle/>
-                    <a:p>
-                      <a:endParaRPr lang="en-US" dirty="0"/>
+                      <a:endParaRPr lang="en-US" sz="1600" dirty="0"/>
                     </a:p>
                   </a:txBody>
                   <a:tcPr/>
@@ -5765,7 +6082,7 @@
         </p:nvSpPr>
         <p:spPr>
           <a:xfrm>
-            <a:off x="838200" y="6054811"/>
+            <a:off x="838200" y="1629612"/>
             <a:ext cx="10515600" cy="122152"/>
           </a:xfrm>
           <a:prstGeom prst="rect">
@@ -5945,8 +6262,8 @@
               <a:buNone/>
             </a:pPr>
             <a:r>
-              <a:rPr lang="en-US" sz="1400" b="1" i="1" dirty="0"/>
-              <a:t>1 individual can have multiple SI during the duration of the study. </a:t>
+              <a:rPr lang="en-US" sz="1400" i="1" dirty="0"/>
+              <a:t>one individual can have multiple SI during the duration of the study. </a:t>
             </a:r>
           </a:p>
         </p:txBody>
